--- a/Music recommendation system.pptx
+++ b/Music recommendation system.pptx
@@ -5,17 +5,17 @@
     <p:sldMasterId id="2147483666" r:id="rId4"/>
   </p:sldMasterIdLst>
   <p:notesMasterIdLst>
-    <p:notesMasterId r:id="rId37"/>
+    <p:notesMasterId r:id="rId38"/>
   </p:notesMasterIdLst>
   <p:handoutMasterIdLst>
-    <p:handoutMasterId r:id="rId38"/>
+    <p:handoutMasterId r:id="rId39"/>
   </p:handoutMasterIdLst>
   <p:sldIdLst>
     <p:sldId id="314" r:id="rId5"/>
     <p:sldId id="315" r:id="rId6"/>
     <p:sldId id="326" r:id="rId7"/>
     <p:sldId id="318" r:id="rId8"/>
-    <p:sldId id="345" r:id="rId9"/>
+    <p:sldId id="370" r:id="rId9"/>
     <p:sldId id="346" r:id="rId10"/>
     <p:sldId id="344" r:id="rId11"/>
     <p:sldId id="343" r:id="rId12"/>
@@ -26,23 +26,24 @@
     <p:sldId id="336" r:id="rId17"/>
     <p:sldId id="354" r:id="rId18"/>
     <p:sldId id="351" r:id="rId19"/>
-    <p:sldId id="330" r:id="rId20"/>
-    <p:sldId id="358" r:id="rId21"/>
-    <p:sldId id="367" r:id="rId22"/>
-    <p:sldId id="360" r:id="rId23"/>
-    <p:sldId id="362" r:id="rId24"/>
-    <p:sldId id="363" r:id="rId25"/>
-    <p:sldId id="364" r:id="rId26"/>
-    <p:sldId id="365" r:id="rId27"/>
-    <p:sldId id="369" r:id="rId28"/>
-    <p:sldId id="359" r:id="rId29"/>
-    <p:sldId id="342" r:id="rId30"/>
-    <p:sldId id="332" r:id="rId31"/>
-    <p:sldId id="338" r:id="rId32"/>
-    <p:sldId id="340" r:id="rId33"/>
-    <p:sldId id="329" r:id="rId34"/>
-    <p:sldId id="335" r:id="rId35"/>
-    <p:sldId id="309" r:id="rId36"/>
+    <p:sldId id="371" r:id="rId20"/>
+    <p:sldId id="330" r:id="rId21"/>
+    <p:sldId id="358" r:id="rId22"/>
+    <p:sldId id="367" r:id="rId23"/>
+    <p:sldId id="360" r:id="rId24"/>
+    <p:sldId id="362" r:id="rId25"/>
+    <p:sldId id="363" r:id="rId26"/>
+    <p:sldId id="364" r:id="rId27"/>
+    <p:sldId id="365" r:id="rId28"/>
+    <p:sldId id="369" r:id="rId29"/>
+    <p:sldId id="359" r:id="rId30"/>
+    <p:sldId id="342" r:id="rId31"/>
+    <p:sldId id="332" r:id="rId32"/>
+    <p:sldId id="338" r:id="rId33"/>
+    <p:sldId id="340" r:id="rId34"/>
+    <p:sldId id="329" r:id="rId35"/>
+    <p:sldId id="335" r:id="rId36"/>
+    <p:sldId id="309" r:id="rId37"/>
   </p:sldIdLst>
   <p:sldSz cx="12192000" cy="6858000"/>
   <p:notesSz cx="6858000" cy="9144000"/>
@@ -269,7 +270,7 @@
           <a:p>
             <a:fld id="{F352A77B-D33C-49B3-A83C-450AA2ED72B3}" type="datetimeFigureOut">
               <a:rPr lang="en-US" smtClean="0"/>
-              <a:t>3/23/2025</a:t>
+              <a:t>3/31/2025</a:t>
             </a:fld>
             <a:endParaRPr lang="en-US" dirty="0"/>
           </a:p>
@@ -446,7 +447,7 @@
           <a:p>
             <a:fld id="{E38D8F9A-F5CB-4EF8-A859-ED5E107B9763}" type="datetimeFigureOut">
               <a:rPr lang="en-US" smtClean="0"/>
-              <a:t>3/23/2025</a:t>
+              <a:t>3/31/2025</a:t>
             </a:fld>
             <a:endParaRPr lang="en-US" dirty="0"/>
           </a:p>
@@ -862,7 +863,7 @@
           <a:p>
             <a:fld id="{D4B9A9E5-4F7F-4A7D-9DE1-899232329269}" type="slidenum">
               <a:rPr lang="en-US" smtClean="0"/>
-              <a:t>32</a:t>
+              <a:t>33</a:t>
             </a:fld>
             <a:endParaRPr lang="en-US" dirty="0"/>
           </a:p>
@@ -1165,7 +1166,7 @@
         <p:cNvPr id="1" name="">
           <a:extLst>
             <a:ext uri="{FF2B5EF4-FFF2-40B4-BE49-F238E27FC236}">
-              <a16:creationId xmlns:a16="http://schemas.microsoft.com/office/drawing/2014/main" id="{988CD5F3-BF7E-27F0-662C-F6731001FC04}"/>
+              <a16:creationId xmlns:a16="http://schemas.microsoft.com/office/drawing/2014/main" id="{77BC3146-860C-598F-B5D9-586110A4B9D0}"/>
             </a:ext>
           </a:extLst>
         </p:cNvPr>
@@ -1185,7 +1186,7 @@
           <p:cNvPr id="2" name="Slide Image Placeholder 1">
             <a:extLst>
               <a:ext uri="{FF2B5EF4-FFF2-40B4-BE49-F238E27FC236}">
-                <a16:creationId xmlns:a16="http://schemas.microsoft.com/office/drawing/2014/main" id="{6E288076-FEEF-D71C-D8D4-331A1109E890}"/>
+                <a16:creationId xmlns:a16="http://schemas.microsoft.com/office/drawing/2014/main" id="{5186E6BE-F576-60BB-BB3C-E5DA6E687709}"/>
               </a:ext>
             </a:extLst>
           </p:cNvPr>
@@ -1203,7 +1204,7 @@
           <p:cNvPr id="3" name="Notes Placeholder 2">
             <a:extLst>
               <a:ext uri="{FF2B5EF4-FFF2-40B4-BE49-F238E27FC236}">
-                <a16:creationId xmlns:a16="http://schemas.microsoft.com/office/drawing/2014/main" id="{289722C8-C014-797B-50F8-CD69028114E5}"/>
+                <a16:creationId xmlns:a16="http://schemas.microsoft.com/office/drawing/2014/main" id="{47238B04-CD3F-B3A4-2B4E-A06AF80442A9}"/>
               </a:ext>
             </a:extLst>
           </p:cNvPr>
@@ -1228,7 +1229,7 @@
           <p:cNvPr id="4" name="Slide Number Placeholder 3">
             <a:extLst>
               <a:ext uri="{FF2B5EF4-FFF2-40B4-BE49-F238E27FC236}">
-                <a16:creationId xmlns:a16="http://schemas.microsoft.com/office/drawing/2014/main" id="{FF5C7DDD-2386-A478-253E-967E938D443E}"/>
+                <a16:creationId xmlns:a16="http://schemas.microsoft.com/office/drawing/2014/main" id="{7C699FA3-962B-3A35-8866-959EA2187808}"/>
               </a:ext>
             </a:extLst>
           </p:cNvPr>
@@ -1255,7 +1256,7 @@
     </p:spTree>
     <p:extLst>
       <p:ext uri="{BB962C8B-B14F-4D97-AF65-F5344CB8AC3E}">
-        <p14:creationId xmlns:p14="http://schemas.microsoft.com/office/powerpoint/2010/main" val="1946016634"/>
+        <p14:creationId xmlns:p14="http://schemas.microsoft.com/office/powerpoint/2010/main" val="2446955796"/>
       </p:ext>
     </p:extLst>
   </p:cSld>
@@ -1570,7 +1571,7 @@
           <a:p>
             <a:fld id="{D4B9A9E5-4F7F-4A7D-9DE1-899232329269}" type="slidenum">
               <a:rPr lang="en-US" smtClean="0"/>
-              <a:t>16</a:t>
+              <a:t>17</a:t>
             </a:fld>
             <a:endParaRPr lang="en-US" dirty="0"/>
           </a:p>
@@ -1678,7 +1679,7 @@
           <a:p>
             <a:fld id="{D4B9A9E5-4F7F-4A7D-9DE1-899232329269}" type="slidenum">
               <a:rPr lang="en-US" smtClean="0"/>
-              <a:t>30</a:t>
+              <a:t>31</a:t>
             </a:fld>
             <a:endParaRPr lang="en-US" dirty="0"/>
           </a:p>
@@ -7212,7 +7213,7 @@
         </p:nvSpPr>
         <p:spPr>
           <a:xfrm>
-            <a:off x="914399" y="1519063"/>
+            <a:off x="792479" y="1458424"/>
             <a:ext cx="6851905" cy="4425696"/>
           </a:xfrm>
         </p:spPr>
@@ -7342,7 +7343,7 @@
         </p:nvSpPr>
         <p:spPr>
           <a:xfrm>
-            <a:off x="914399" y="755904"/>
+            <a:off x="792479" y="675818"/>
             <a:ext cx="5303521" cy="461665"/>
           </a:xfrm>
           <a:prstGeom prst="rect">
@@ -7428,7 +7429,7 @@
         </p:nvSpPr>
         <p:spPr>
           <a:xfrm>
-            <a:off x="914399" y="1133856"/>
+            <a:off x="914400" y="954024"/>
             <a:ext cx="7273638" cy="4949952"/>
           </a:xfrm>
         </p:spPr>
@@ -7585,8 +7586,8 @@
         </p:nvSpPr>
         <p:spPr>
           <a:xfrm>
-            <a:off x="914400" y="1609345"/>
-            <a:ext cx="6071616" cy="3511296"/>
+            <a:off x="914400" y="1475233"/>
+            <a:ext cx="6071616" cy="1719071"/>
           </a:xfrm>
         </p:spPr>
         <p:txBody>
@@ -7602,18 +7603,6 @@
           </a:p>
           <a:p>
             <a:endParaRPr lang="en-US" sz="1600" dirty="0"/>
-          </a:p>
-          <a:p>
-            <a:r>
-              <a:rPr lang="en-US" sz="1600" dirty="0"/>
-              <a:t>All the mentioned preprocessing steps create a well-structured feature set, that combines both textual and numeric attributes. </a:t>
-            </a:r>
-          </a:p>
-          <a:p>
-            <a:r>
-              <a:rPr lang="en-US" sz="1600" dirty="0"/>
-              <a:t>This data is then fed into a deep learning model that enables accurate similarity calculations for recommendations.</a:t>
-            </a:r>
           </a:p>
           <a:p>
             <a:endParaRPr lang="en-US" sz="1600" dirty="0"/>
@@ -7704,6 +7693,141 @@
 </file>
 
 <file path=ppt/slides/slide16.xml><?xml version="1.0" encoding="utf-8"?>
+<p:sld xmlns:a="http://schemas.openxmlformats.org/drawingml/2006/main" xmlns:r="http://schemas.openxmlformats.org/officeDocument/2006/relationships" xmlns:p="http://schemas.openxmlformats.org/presentationml/2006/main">
+  <p:cSld>
+    <p:bg>
+      <p:bgPr>
+        <a:solidFill>
+          <a:schemeClr val="bg1">
+            <a:lumMod val="95000"/>
+          </a:schemeClr>
+        </a:solidFill>
+        <a:effectLst/>
+      </p:bgPr>
+    </p:bg>
+    <p:spTree>
+      <p:nvGrpSpPr>
+        <p:cNvPr id="1" name="">
+          <a:extLst>
+            <a:ext uri="{FF2B5EF4-FFF2-40B4-BE49-F238E27FC236}">
+              <a16:creationId xmlns:a16="http://schemas.microsoft.com/office/drawing/2014/main" id="{E0E510B4-D0DC-ED52-3C39-D1031139D9F3}"/>
+            </a:ext>
+          </a:extLst>
+        </p:cNvPr>
+        <p:cNvGrpSpPr/>
+        <p:nvPr/>
+      </p:nvGrpSpPr>
+      <p:grpSpPr>
+        <a:xfrm>
+          <a:off x="0" y="0"/>
+          <a:ext cx="0" cy="0"/>
+          <a:chOff x="0" y="0"/>
+          <a:chExt cx="0" cy="0"/>
+        </a:xfrm>
+      </p:grpSpPr>
+      <p:sp>
+        <p:nvSpPr>
+          <p:cNvPr id="3" name="Content Placeholder 2">
+            <a:extLst>
+              <a:ext uri="{FF2B5EF4-FFF2-40B4-BE49-F238E27FC236}">
+                <a16:creationId xmlns:a16="http://schemas.microsoft.com/office/drawing/2014/main" id="{7FB74DAF-E5B3-46E3-A547-AEFAA963840C}"/>
+              </a:ext>
+            </a:extLst>
+          </p:cNvPr>
+          <p:cNvSpPr>
+            <a:spLocks noGrp="1"/>
+          </p:cNvSpPr>
+          <p:nvPr>
+            <p:ph sz="quarter" idx="10"/>
+          </p:nvPr>
+        </p:nvSpPr>
+        <p:spPr>
+          <a:xfrm>
+            <a:off x="914400" y="914401"/>
+            <a:ext cx="6071616" cy="3340607"/>
+          </a:xfrm>
+        </p:spPr>
+        <p:txBody>
+          <a:bodyPr>
+            <a:normAutofit lnSpcReduction="10000"/>
+          </a:bodyPr>
+          <a:lstStyle/>
+          <a:p>
+            <a:r>
+              <a:rPr lang="en-US" sz="1600" dirty="0"/>
+              <a:t>All the mentioned preprocessing steps create a well-structured feature set. </a:t>
+            </a:r>
+          </a:p>
+          <a:p>
+            <a:r>
+              <a:rPr lang="en-US" sz="1600" dirty="0"/>
+              <a:t>To ensure a balanced contribution from the different song attributes, the textual, numeric and genre information were weighted before being combined.</a:t>
+            </a:r>
+          </a:p>
+          <a:p>
+            <a:r>
+              <a:rPr lang="en-US" sz="1600" dirty="0"/>
+              <a:t>Genre features were given less weight in order to prevent genre from overpowering the other factors when the model makes recommendations.</a:t>
+            </a:r>
+          </a:p>
+          <a:p>
+            <a:r>
+              <a:rPr lang="en-US" sz="1600" dirty="0"/>
+              <a:t>The combined data is then fed into a deep learning model that enables accurate similarity calculations for recommendations.</a:t>
+            </a:r>
+          </a:p>
+          <a:p>
+            <a:endParaRPr lang="en-US" sz="1600" dirty="0"/>
+          </a:p>
+          <a:p>
+            <a:endParaRPr lang="en-US" sz="1600" dirty="0"/>
+          </a:p>
+        </p:txBody>
+      </p:sp>
+      <p:sp>
+        <p:nvSpPr>
+          <p:cNvPr id="4" name="Slide Number Placeholder 3">
+            <a:extLst>
+              <a:ext uri="{FF2B5EF4-FFF2-40B4-BE49-F238E27FC236}">
+                <a16:creationId xmlns:a16="http://schemas.microsoft.com/office/drawing/2014/main" id="{B97AAC21-2467-4002-3E47-6B838575CA20}"/>
+              </a:ext>
+            </a:extLst>
+          </p:cNvPr>
+          <p:cNvSpPr>
+            <a:spLocks noGrp="1"/>
+          </p:cNvSpPr>
+          <p:nvPr>
+            <p:ph type="sldNum" sz="quarter" idx="4"/>
+          </p:nvPr>
+        </p:nvSpPr>
+        <p:spPr/>
+        <p:txBody>
+          <a:bodyPr/>
+          <a:lstStyle/>
+          <a:p>
+            <a:fld id="{B5CEABB6-07DC-46E8-9B57-56EC44A396E5}" type="slidenum">
+              <a:rPr lang="en-US" smtClean="0"/>
+              <a:pPr/>
+              <a:t>16</a:t>
+            </a:fld>
+            <a:endParaRPr lang="en-US" dirty="0"/>
+          </a:p>
+        </p:txBody>
+      </p:sp>
+    </p:spTree>
+    <p:extLst>
+      <p:ext uri="{BB962C8B-B14F-4D97-AF65-F5344CB8AC3E}">
+        <p14:creationId xmlns:p14="http://schemas.microsoft.com/office/powerpoint/2010/main" val="3327986594"/>
+      </p:ext>
+    </p:extLst>
+  </p:cSld>
+  <p:clrMapOvr>
+    <a:masterClrMapping/>
+  </p:clrMapOvr>
+</p:sld>
+</file>
+
+<file path=ppt/slides/slide17.xml><?xml version="1.0" encoding="utf-8"?>
 <p:sld xmlns:a="http://schemas.openxmlformats.org/drawingml/2006/main" xmlns:r="http://schemas.openxmlformats.org/officeDocument/2006/relationships" xmlns:p="http://schemas.openxmlformats.org/presentationml/2006/main">
   <p:cSld>
     <p:bg>
@@ -7815,7 +7939,7 @@
 </p:sld>
 </file>
 
-<file path=ppt/slides/slide17.xml><?xml version="1.0" encoding="utf-8"?>
+<file path=ppt/slides/slide18.xml><?xml version="1.0" encoding="utf-8"?>
 <p:sld xmlns:a="http://schemas.openxmlformats.org/drawingml/2006/main" xmlns:r="http://schemas.openxmlformats.org/officeDocument/2006/relationships" xmlns:p="http://schemas.openxmlformats.org/presentationml/2006/main">
   <p:cSld>
     <p:bg>
@@ -8052,7 +8176,7 @@
             <a:fld id="{B5CEABB6-07DC-46E8-9B57-56EC44A396E5}" type="slidenum">
               <a:rPr lang="en-US" smtClean="0"/>
               <a:pPr/>
-              <a:t>17</a:t>
+              <a:t>18</a:t>
             </a:fld>
             <a:endParaRPr lang="en-US" dirty="0"/>
           </a:p>
@@ -8111,7 +8235,7 @@
 </p:sld>
 </file>
 
-<file path=ppt/slides/slide18.xml><?xml version="1.0" encoding="utf-8"?>
+<file path=ppt/slides/slide19.xml><?xml version="1.0" encoding="utf-8"?>
 <p:sld xmlns:a="http://schemas.openxmlformats.org/drawingml/2006/main" xmlns:r="http://schemas.openxmlformats.org/officeDocument/2006/relationships" xmlns:p="http://schemas.openxmlformats.org/presentationml/2006/main">
   <p:cSld>
     <p:bg>
@@ -8311,7 +8435,7 @@
             <a:fld id="{B5CEABB6-07DC-46E8-9B57-56EC44A396E5}" type="slidenum">
               <a:rPr lang="en-US" smtClean="0"/>
               <a:pPr/>
-              <a:t>18</a:t>
+              <a:t>19</a:t>
             </a:fld>
             <a:endParaRPr lang="en-US" dirty="0"/>
           </a:p>
@@ -8381,256 +8505,6 @@
     <p:extLst>
       <p:ext uri="{BB962C8B-B14F-4D97-AF65-F5344CB8AC3E}">
         <p14:creationId xmlns:p14="http://schemas.microsoft.com/office/powerpoint/2010/main" val="3130831450"/>
-      </p:ext>
-    </p:extLst>
-  </p:cSld>
-  <p:clrMapOvr>
-    <a:masterClrMapping/>
-  </p:clrMapOvr>
-</p:sld>
-</file>
-
-<file path=ppt/slides/slide19.xml><?xml version="1.0" encoding="utf-8"?>
-<p:sld xmlns:a="http://schemas.openxmlformats.org/drawingml/2006/main" xmlns:r="http://schemas.openxmlformats.org/officeDocument/2006/relationships" xmlns:p="http://schemas.openxmlformats.org/presentationml/2006/main">
-  <p:cSld>
-    <p:bg>
-      <p:bgPr>
-        <a:solidFill>
-          <a:schemeClr val="bg1">
-            <a:lumMod val="95000"/>
-          </a:schemeClr>
-        </a:solidFill>
-        <a:effectLst/>
-      </p:bgPr>
-    </p:bg>
-    <p:spTree>
-      <p:nvGrpSpPr>
-        <p:cNvPr id="1" name="">
-          <a:extLst>
-            <a:ext uri="{FF2B5EF4-FFF2-40B4-BE49-F238E27FC236}">
-              <a16:creationId xmlns:a16="http://schemas.microsoft.com/office/drawing/2014/main" id="{0539876E-299B-E5C9-CE24-C42980FE3C68}"/>
-            </a:ext>
-          </a:extLst>
-        </p:cNvPr>
-        <p:cNvGrpSpPr/>
-        <p:nvPr/>
-      </p:nvGrpSpPr>
-      <p:grpSpPr>
-        <a:xfrm>
-          <a:off x="0" y="0"/>
-          <a:ext cx="0" cy="0"/>
-          <a:chOff x="0" y="0"/>
-          <a:chExt cx="0" cy="0"/>
-        </a:xfrm>
-      </p:grpSpPr>
-      <p:sp>
-        <p:nvSpPr>
-          <p:cNvPr id="3" name="Content Placeholder 2">
-            <a:extLst>
-              <a:ext uri="{FF2B5EF4-FFF2-40B4-BE49-F238E27FC236}">
-                <a16:creationId xmlns:a16="http://schemas.microsoft.com/office/drawing/2014/main" id="{85B37D5A-9B99-50A6-FBD9-EB5094F07652}"/>
-              </a:ext>
-            </a:extLst>
-          </p:cNvPr>
-          <p:cNvSpPr>
-            <a:spLocks noGrp="1"/>
-          </p:cNvSpPr>
-          <p:nvPr>
-            <p:ph sz="quarter" idx="10"/>
-          </p:nvPr>
-        </p:nvSpPr>
-        <p:spPr>
-          <a:xfrm>
-            <a:off x="829055" y="1255776"/>
-            <a:ext cx="7559041" cy="4191000"/>
-          </a:xfrm>
-        </p:spPr>
-        <p:txBody>
-          <a:bodyPr>
-            <a:normAutofit/>
-          </a:bodyPr>
-          <a:lstStyle/>
-          <a:p>
-            <a:pPr>
-              <a:buNone/>
-            </a:pPr>
-            <a:r>
-              <a:rPr lang="en-US" sz="1600" dirty="0"/>
-              <a:t>We will use 3 songs (A, B and C) in our calculations. </a:t>
-            </a:r>
-          </a:p>
-          <a:p>
-            <a:pPr>
-              <a:buNone/>
-            </a:pPr>
-            <a:r>
-              <a:rPr lang="en-US" sz="1600" dirty="0"/>
-              <a:t>The goal is to see which song is most similar to song A using cosine similarity.</a:t>
-            </a:r>
-          </a:p>
-          <a:p>
-            <a:pPr>
-              <a:buNone/>
-            </a:pPr>
-            <a:r>
-              <a:rPr lang="en-US" sz="1600" dirty="0"/>
-              <a:t>Cosine similarity is computed using the following  formula:</a:t>
-            </a:r>
-          </a:p>
-          <a:p>
-            <a:pPr marL="0" indent="0">
-              <a:buNone/>
-            </a:pPr>
-            <a:endParaRPr lang="en-US" b="1" dirty="0"/>
-          </a:p>
-          <a:p>
-            <a:pPr marL="0" indent="0">
-              <a:buNone/>
-            </a:pPr>
-            <a:endParaRPr lang="en-US" b="1" dirty="0"/>
-          </a:p>
-          <a:p>
-            <a:pPr marL="0" indent="0">
-              <a:buNone/>
-            </a:pPr>
-            <a:endParaRPr lang="en-US" b="1" dirty="0"/>
-          </a:p>
-          <a:p>
-            <a:pPr marL="0" indent="0">
-              <a:buNone/>
-            </a:pPr>
-            <a:endParaRPr lang="en-US" b="1" dirty="0"/>
-          </a:p>
-          <a:p>
-            <a:pPr marL="0" indent="0">
-              <a:buNone/>
-            </a:pPr>
-            <a:endParaRPr lang="en-US" b="1" dirty="0"/>
-          </a:p>
-          <a:p>
-            <a:pPr marL="0" indent="0">
-              <a:buNone/>
-            </a:pPr>
-            <a:endParaRPr lang="en-US" b="1" dirty="0"/>
-          </a:p>
-          <a:p>
-            <a:pPr marL="0" indent="0">
-              <a:buNone/>
-            </a:pPr>
-            <a:endParaRPr lang="en-US" b="1" dirty="0"/>
-          </a:p>
-          <a:p>
-            <a:pPr marL="0" indent="0">
-              <a:buNone/>
-            </a:pPr>
-            <a:endParaRPr lang="en-US" b="1" dirty="0"/>
-          </a:p>
-        </p:txBody>
-      </p:sp>
-      <p:sp>
-        <p:nvSpPr>
-          <p:cNvPr id="4" name="Slide Number Placeholder 3">
-            <a:extLst>
-              <a:ext uri="{FF2B5EF4-FFF2-40B4-BE49-F238E27FC236}">
-                <a16:creationId xmlns:a16="http://schemas.microsoft.com/office/drawing/2014/main" id="{3CCBEC6B-788A-82F5-2023-BB95BEFAFE0A}"/>
-              </a:ext>
-            </a:extLst>
-          </p:cNvPr>
-          <p:cNvSpPr>
-            <a:spLocks noGrp="1"/>
-          </p:cNvSpPr>
-          <p:nvPr>
-            <p:ph type="sldNum" sz="quarter" idx="4"/>
-          </p:nvPr>
-        </p:nvSpPr>
-        <p:spPr/>
-        <p:txBody>
-          <a:bodyPr/>
-          <a:lstStyle/>
-          <a:p>
-            <a:fld id="{B5CEABB6-07DC-46E8-9B57-56EC44A396E5}" type="slidenum">
-              <a:rPr lang="en-US" smtClean="0"/>
-              <a:pPr/>
-              <a:t>19</a:t>
-            </a:fld>
-            <a:endParaRPr lang="en-US" dirty="0"/>
-          </a:p>
-        </p:txBody>
-      </p:sp>
-      <p:sp>
-        <p:nvSpPr>
-          <p:cNvPr id="5" name="TextBox 4">
-            <a:extLst>
-              <a:ext uri="{FF2B5EF4-FFF2-40B4-BE49-F238E27FC236}">
-                <a16:creationId xmlns:a16="http://schemas.microsoft.com/office/drawing/2014/main" id="{158CD7D0-145A-A5EE-4E42-FD353D5D28BA}"/>
-              </a:ext>
-            </a:extLst>
-          </p:cNvPr>
-          <p:cNvSpPr txBox="1"/>
-          <p:nvPr/>
-        </p:nvSpPr>
-        <p:spPr>
-          <a:xfrm>
-            <a:off x="829055" y="732120"/>
-            <a:ext cx="8412480" cy="430887"/>
-          </a:xfrm>
-          <a:prstGeom prst="rect">
-            <a:avLst/>
-          </a:prstGeom>
-          <a:noFill/>
-        </p:spPr>
-        <p:txBody>
-          <a:bodyPr wrap="square" rtlCol="0">
-            <a:spAutoFit/>
-          </a:bodyPr>
-          <a:lstStyle/>
-          <a:p>
-            <a:r>
-              <a:rPr lang="en-US" sz="2200" b="1" dirty="0">
-                <a:latin typeface="+mj-lt"/>
-              </a:rPr>
-              <a:t>EXAMPLE: STEP BY STEP COSINE SIMILARITY CALCULATION</a:t>
-            </a:r>
-            <a:endParaRPr lang="en-KE" sz="2200" b="1" dirty="0">
-              <a:latin typeface="+mj-lt"/>
-            </a:endParaRPr>
-          </a:p>
-        </p:txBody>
-      </p:sp>
-      <p:pic>
-        <p:nvPicPr>
-          <p:cNvPr id="7" name="Picture 6">
-            <a:extLst>
-              <a:ext uri="{FF2B5EF4-FFF2-40B4-BE49-F238E27FC236}">
-                <a16:creationId xmlns:a16="http://schemas.microsoft.com/office/drawing/2014/main" id="{75A0F38A-F69B-B0BF-3EAD-2D4A09C69341}"/>
-              </a:ext>
-            </a:extLst>
-          </p:cNvPr>
-          <p:cNvPicPr>
-            <a:picLocks noChangeAspect="1"/>
-          </p:cNvPicPr>
-          <p:nvPr/>
-        </p:nvPicPr>
-        <p:blipFill>
-          <a:blip r:embed="rId2"/>
-          <a:stretch>
-            <a:fillRect/>
-          </a:stretch>
-        </p:blipFill>
-        <p:spPr>
-          <a:xfrm>
-            <a:off x="1725167" y="2632441"/>
-            <a:ext cx="5766816" cy="2572512"/>
-          </a:xfrm>
-          <a:prstGeom prst="rect">
-            <a:avLst/>
-          </a:prstGeom>
-        </p:spPr>
-      </p:pic>
-    </p:spTree>
-    <p:extLst>
-      <p:ext uri="{BB962C8B-B14F-4D97-AF65-F5344CB8AC3E}">
-        <p14:creationId xmlns:p14="http://schemas.microsoft.com/office/powerpoint/2010/main" val="3406244546"/>
       </p:ext>
     </p:extLst>
   </p:cSld>
@@ -9080,6 +8954,256 @@
         <p:cNvPr id="1" name="">
           <a:extLst>
             <a:ext uri="{FF2B5EF4-FFF2-40B4-BE49-F238E27FC236}">
+              <a16:creationId xmlns:a16="http://schemas.microsoft.com/office/drawing/2014/main" id="{0539876E-299B-E5C9-CE24-C42980FE3C68}"/>
+            </a:ext>
+          </a:extLst>
+        </p:cNvPr>
+        <p:cNvGrpSpPr/>
+        <p:nvPr/>
+      </p:nvGrpSpPr>
+      <p:grpSpPr>
+        <a:xfrm>
+          <a:off x="0" y="0"/>
+          <a:ext cx="0" cy="0"/>
+          <a:chOff x="0" y="0"/>
+          <a:chExt cx="0" cy="0"/>
+        </a:xfrm>
+      </p:grpSpPr>
+      <p:sp>
+        <p:nvSpPr>
+          <p:cNvPr id="3" name="Content Placeholder 2">
+            <a:extLst>
+              <a:ext uri="{FF2B5EF4-FFF2-40B4-BE49-F238E27FC236}">
+                <a16:creationId xmlns:a16="http://schemas.microsoft.com/office/drawing/2014/main" id="{85B37D5A-9B99-50A6-FBD9-EB5094F07652}"/>
+              </a:ext>
+            </a:extLst>
+          </p:cNvPr>
+          <p:cNvSpPr>
+            <a:spLocks noGrp="1"/>
+          </p:cNvSpPr>
+          <p:nvPr>
+            <p:ph sz="quarter" idx="10"/>
+          </p:nvPr>
+        </p:nvSpPr>
+        <p:spPr>
+          <a:xfrm>
+            <a:off x="829055" y="1255776"/>
+            <a:ext cx="7559041" cy="4191000"/>
+          </a:xfrm>
+        </p:spPr>
+        <p:txBody>
+          <a:bodyPr>
+            <a:normAutofit/>
+          </a:bodyPr>
+          <a:lstStyle/>
+          <a:p>
+            <a:pPr>
+              <a:buNone/>
+            </a:pPr>
+            <a:r>
+              <a:rPr lang="en-US" sz="1600" dirty="0"/>
+              <a:t>We will use 3 songs (A, B and C) in our calculations. </a:t>
+            </a:r>
+          </a:p>
+          <a:p>
+            <a:pPr>
+              <a:buNone/>
+            </a:pPr>
+            <a:r>
+              <a:rPr lang="en-US" sz="1600" dirty="0"/>
+              <a:t>The goal is to see which song is most similar to song A using cosine similarity.</a:t>
+            </a:r>
+          </a:p>
+          <a:p>
+            <a:pPr>
+              <a:buNone/>
+            </a:pPr>
+            <a:r>
+              <a:rPr lang="en-US" sz="1600" dirty="0"/>
+              <a:t>Cosine similarity is computed using the following  formula:</a:t>
+            </a:r>
+          </a:p>
+          <a:p>
+            <a:pPr marL="0" indent="0">
+              <a:buNone/>
+            </a:pPr>
+            <a:endParaRPr lang="en-US" b="1" dirty="0"/>
+          </a:p>
+          <a:p>
+            <a:pPr marL="0" indent="0">
+              <a:buNone/>
+            </a:pPr>
+            <a:endParaRPr lang="en-US" b="1" dirty="0"/>
+          </a:p>
+          <a:p>
+            <a:pPr marL="0" indent="0">
+              <a:buNone/>
+            </a:pPr>
+            <a:endParaRPr lang="en-US" b="1" dirty="0"/>
+          </a:p>
+          <a:p>
+            <a:pPr marL="0" indent="0">
+              <a:buNone/>
+            </a:pPr>
+            <a:endParaRPr lang="en-US" b="1" dirty="0"/>
+          </a:p>
+          <a:p>
+            <a:pPr marL="0" indent="0">
+              <a:buNone/>
+            </a:pPr>
+            <a:endParaRPr lang="en-US" b="1" dirty="0"/>
+          </a:p>
+          <a:p>
+            <a:pPr marL="0" indent="0">
+              <a:buNone/>
+            </a:pPr>
+            <a:endParaRPr lang="en-US" b="1" dirty="0"/>
+          </a:p>
+          <a:p>
+            <a:pPr marL="0" indent="0">
+              <a:buNone/>
+            </a:pPr>
+            <a:endParaRPr lang="en-US" b="1" dirty="0"/>
+          </a:p>
+          <a:p>
+            <a:pPr marL="0" indent="0">
+              <a:buNone/>
+            </a:pPr>
+            <a:endParaRPr lang="en-US" b="1" dirty="0"/>
+          </a:p>
+        </p:txBody>
+      </p:sp>
+      <p:sp>
+        <p:nvSpPr>
+          <p:cNvPr id="4" name="Slide Number Placeholder 3">
+            <a:extLst>
+              <a:ext uri="{FF2B5EF4-FFF2-40B4-BE49-F238E27FC236}">
+                <a16:creationId xmlns:a16="http://schemas.microsoft.com/office/drawing/2014/main" id="{3CCBEC6B-788A-82F5-2023-BB95BEFAFE0A}"/>
+              </a:ext>
+            </a:extLst>
+          </p:cNvPr>
+          <p:cNvSpPr>
+            <a:spLocks noGrp="1"/>
+          </p:cNvSpPr>
+          <p:nvPr>
+            <p:ph type="sldNum" sz="quarter" idx="4"/>
+          </p:nvPr>
+        </p:nvSpPr>
+        <p:spPr/>
+        <p:txBody>
+          <a:bodyPr/>
+          <a:lstStyle/>
+          <a:p>
+            <a:fld id="{B5CEABB6-07DC-46E8-9B57-56EC44A396E5}" type="slidenum">
+              <a:rPr lang="en-US" smtClean="0"/>
+              <a:pPr/>
+              <a:t>20</a:t>
+            </a:fld>
+            <a:endParaRPr lang="en-US" dirty="0"/>
+          </a:p>
+        </p:txBody>
+      </p:sp>
+      <p:sp>
+        <p:nvSpPr>
+          <p:cNvPr id="5" name="TextBox 4">
+            <a:extLst>
+              <a:ext uri="{FF2B5EF4-FFF2-40B4-BE49-F238E27FC236}">
+                <a16:creationId xmlns:a16="http://schemas.microsoft.com/office/drawing/2014/main" id="{158CD7D0-145A-A5EE-4E42-FD353D5D28BA}"/>
+              </a:ext>
+            </a:extLst>
+          </p:cNvPr>
+          <p:cNvSpPr txBox="1"/>
+          <p:nvPr/>
+        </p:nvSpPr>
+        <p:spPr>
+          <a:xfrm>
+            <a:off x="829055" y="732120"/>
+            <a:ext cx="8412480" cy="430887"/>
+          </a:xfrm>
+          <a:prstGeom prst="rect">
+            <a:avLst/>
+          </a:prstGeom>
+          <a:noFill/>
+        </p:spPr>
+        <p:txBody>
+          <a:bodyPr wrap="square" rtlCol="0">
+            <a:spAutoFit/>
+          </a:bodyPr>
+          <a:lstStyle/>
+          <a:p>
+            <a:r>
+              <a:rPr lang="en-US" sz="2200" b="1" dirty="0">
+                <a:latin typeface="+mj-lt"/>
+              </a:rPr>
+              <a:t>EXAMPLE: STEP BY STEP COSINE SIMILARITY CALCULATION</a:t>
+            </a:r>
+            <a:endParaRPr lang="en-KE" sz="2200" b="1" dirty="0">
+              <a:latin typeface="+mj-lt"/>
+            </a:endParaRPr>
+          </a:p>
+        </p:txBody>
+      </p:sp>
+      <p:pic>
+        <p:nvPicPr>
+          <p:cNvPr id="7" name="Picture 6">
+            <a:extLst>
+              <a:ext uri="{FF2B5EF4-FFF2-40B4-BE49-F238E27FC236}">
+                <a16:creationId xmlns:a16="http://schemas.microsoft.com/office/drawing/2014/main" id="{75A0F38A-F69B-B0BF-3EAD-2D4A09C69341}"/>
+              </a:ext>
+            </a:extLst>
+          </p:cNvPr>
+          <p:cNvPicPr>
+            <a:picLocks noChangeAspect="1"/>
+          </p:cNvPicPr>
+          <p:nvPr/>
+        </p:nvPicPr>
+        <p:blipFill>
+          <a:blip r:embed="rId2"/>
+          <a:stretch>
+            <a:fillRect/>
+          </a:stretch>
+        </p:blipFill>
+        <p:spPr>
+          <a:xfrm>
+            <a:off x="1725167" y="2632441"/>
+            <a:ext cx="5766816" cy="2572512"/>
+          </a:xfrm>
+          <a:prstGeom prst="rect">
+            <a:avLst/>
+          </a:prstGeom>
+        </p:spPr>
+      </p:pic>
+    </p:spTree>
+    <p:extLst>
+      <p:ext uri="{BB962C8B-B14F-4D97-AF65-F5344CB8AC3E}">
+        <p14:creationId xmlns:p14="http://schemas.microsoft.com/office/powerpoint/2010/main" val="3406244546"/>
+      </p:ext>
+    </p:extLst>
+  </p:cSld>
+  <p:clrMapOvr>
+    <a:masterClrMapping/>
+  </p:clrMapOvr>
+</p:sld>
+</file>
+
+<file path=ppt/slides/slide21.xml><?xml version="1.0" encoding="utf-8"?>
+<p:sld xmlns:a="http://schemas.openxmlformats.org/drawingml/2006/main" xmlns:r="http://schemas.openxmlformats.org/officeDocument/2006/relationships" xmlns:p="http://schemas.openxmlformats.org/presentationml/2006/main">
+  <p:cSld>
+    <p:bg>
+      <p:bgPr>
+        <a:solidFill>
+          <a:schemeClr val="bg1">
+            <a:lumMod val="95000"/>
+          </a:schemeClr>
+        </a:solidFill>
+        <a:effectLst/>
+      </p:bgPr>
+    </p:bg>
+    <p:spTree>
+      <p:nvGrpSpPr>
+        <p:cNvPr id="1" name="">
+          <a:extLst>
+            <a:ext uri="{FF2B5EF4-FFF2-40B4-BE49-F238E27FC236}">
               <a16:creationId xmlns:a16="http://schemas.microsoft.com/office/drawing/2014/main" id="{0A876A68-4215-6281-C753-6D63CAC3C16F}"/>
             </a:ext>
           </a:extLst>
@@ -9178,7 +9302,7 @@
             <a:fld id="{B5CEABB6-07DC-46E8-9B57-56EC44A396E5}" type="slidenum">
               <a:rPr lang="en-US" smtClean="0"/>
               <a:pPr/>
-              <a:t>20</a:t>
+              <a:t>21</a:t>
             </a:fld>
             <a:endParaRPr lang="en-US" dirty="0"/>
           </a:p>
@@ -9227,7 +9351,7 @@
 </p:sld>
 </file>
 
-<file path=ppt/slides/slide21.xml><?xml version="1.0" encoding="utf-8"?>
+<file path=ppt/slides/slide22.xml><?xml version="1.0" encoding="utf-8"?>
 <p:sld xmlns:a="http://schemas.openxmlformats.org/drawingml/2006/main" xmlns:r="http://schemas.openxmlformats.org/officeDocument/2006/relationships" xmlns:p="http://schemas.openxmlformats.org/presentationml/2006/main">
   <p:cSld>
     <p:bg>
@@ -9373,7 +9497,7 @@
             <a:fld id="{B5CEABB6-07DC-46E8-9B57-56EC44A396E5}" type="slidenum">
               <a:rPr lang="en-US" smtClean="0"/>
               <a:pPr/>
-              <a:t>21</a:t>
+              <a:t>22</a:t>
             </a:fld>
             <a:endParaRPr lang="en-US" dirty="0"/>
           </a:p>
@@ -9492,7 +9616,7 @@
 </p:sld>
 </file>
 
-<file path=ppt/slides/slide22.xml><?xml version="1.0" encoding="utf-8"?>
+<file path=ppt/slides/slide23.xml><?xml version="1.0" encoding="utf-8"?>
 <p:sld xmlns:a="http://schemas.openxmlformats.org/drawingml/2006/main" xmlns:r="http://schemas.openxmlformats.org/officeDocument/2006/relationships" xmlns:p="http://schemas.openxmlformats.org/presentationml/2006/main">
   <p:cSld>
     <p:bg>
@@ -9668,7 +9792,7 @@
             <a:fld id="{B5CEABB6-07DC-46E8-9B57-56EC44A396E5}" type="slidenum">
               <a:rPr lang="en-US" smtClean="0"/>
               <a:pPr/>
-              <a:t>22</a:t>
+              <a:t>23</a:t>
             </a:fld>
             <a:endParaRPr lang="en-US" dirty="0"/>
           </a:p>
@@ -9817,7 +9941,7 @@
 </p:sld>
 </file>
 
-<file path=ppt/slides/slide23.xml><?xml version="1.0" encoding="utf-8"?>
+<file path=ppt/slides/slide24.xml><?xml version="1.0" encoding="utf-8"?>
 <p:sld xmlns:a="http://schemas.openxmlformats.org/drawingml/2006/main" xmlns:r="http://schemas.openxmlformats.org/officeDocument/2006/relationships" xmlns:p="http://schemas.openxmlformats.org/presentationml/2006/main">
   <p:cSld>
     <p:bg>
@@ -9975,7 +10099,7 @@
             <a:fld id="{B5CEABB6-07DC-46E8-9B57-56EC44A396E5}" type="slidenum">
               <a:rPr lang="en-US" smtClean="0"/>
               <a:pPr/>
-              <a:t>23</a:t>
+              <a:t>24</a:t>
             </a:fld>
             <a:endParaRPr lang="en-US" dirty="0"/>
           </a:p>
@@ -10094,7 +10218,7 @@
 </p:sld>
 </file>
 
-<file path=ppt/slides/slide24.xml><?xml version="1.0" encoding="utf-8"?>
+<file path=ppt/slides/slide25.xml><?xml version="1.0" encoding="utf-8"?>
 <p:sld xmlns:a="http://schemas.openxmlformats.org/drawingml/2006/main" xmlns:r="http://schemas.openxmlformats.org/officeDocument/2006/relationships" xmlns:p="http://schemas.openxmlformats.org/presentationml/2006/main">
   <p:cSld>
     <p:bg>
@@ -10210,7 +10334,7 @@
             <a:fld id="{B5CEABB6-07DC-46E8-9B57-56EC44A396E5}" type="slidenum">
               <a:rPr lang="en-US" smtClean="0"/>
               <a:pPr/>
-              <a:t>24</a:t>
+              <a:t>25</a:t>
             </a:fld>
             <a:endParaRPr lang="en-US" dirty="0"/>
           </a:p>
@@ -10269,7 +10393,7 @@
 </p:sld>
 </file>
 
-<file path=ppt/slides/slide25.xml><?xml version="1.0" encoding="utf-8"?>
+<file path=ppt/slides/slide26.xml><?xml version="1.0" encoding="utf-8"?>
 <p:sld xmlns:a="http://schemas.openxmlformats.org/drawingml/2006/main" xmlns:r="http://schemas.openxmlformats.org/officeDocument/2006/relationships" xmlns:p="http://schemas.openxmlformats.org/presentationml/2006/main">
   <p:cSld>
     <p:bg>
@@ -10624,7 +10748,7 @@
             <a:fld id="{B5CEABB6-07DC-46E8-9B57-56EC44A396E5}" type="slidenum">
               <a:rPr lang="en-US" smtClean="0"/>
               <a:pPr/>
-              <a:t>25</a:t>
+              <a:t>26</a:t>
             </a:fld>
             <a:endParaRPr lang="en-US" dirty="0"/>
           </a:p>
@@ -10643,7 +10767,7 @@
 </p:sld>
 </file>
 
-<file path=ppt/slides/slide26.xml><?xml version="1.0" encoding="utf-8"?>
+<file path=ppt/slides/slide27.xml><?xml version="1.0" encoding="utf-8"?>
 <p:sld xmlns:a="http://schemas.openxmlformats.org/drawingml/2006/main" xmlns:r="http://schemas.openxmlformats.org/officeDocument/2006/relationships" xmlns:p="http://schemas.openxmlformats.org/presentationml/2006/main">
   <p:cSld>
     <p:bg>
@@ -10772,7 +10896,7 @@
             <a:fld id="{B5CEABB6-07DC-46E8-9B57-56EC44A396E5}" type="slidenum">
               <a:rPr lang="en-US" smtClean="0"/>
               <a:pPr/>
-              <a:t>26</a:t>
+              <a:t>27</a:t>
             </a:fld>
             <a:endParaRPr lang="en-US" dirty="0"/>
           </a:p>
@@ -10791,7 +10915,7 @@
 </p:sld>
 </file>
 
-<file path=ppt/slides/slide27.xml><?xml version="1.0" encoding="utf-8"?>
+<file path=ppt/slides/slide28.xml><?xml version="1.0" encoding="utf-8"?>
 <p:sld xmlns:a="http://schemas.openxmlformats.org/drawingml/2006/main" xmlns:r="http://schemas.openxmlformats.org/officeDocument/2006/relationships" xmlns:p="http://schemas.openxmlformats.org/presentationml/2006/main">
   <p:cSld>
     <p:bg>
@@ -10848,7 +10972,7 @@
             <a:fld id="{B5CEABB6-07DC-46E8-9B57-56EC44A396E5}" type="slidenum">
               <a:rPr lang="en-US" smtClean="0"/>
               <a:pPr/>
-              <a:t>27</a:t>
+              <a:t>28</a:t>
             </a:fld>
             <a:endParaRPr lang="en-US" dirty="0"/>
           </a:p>
@@ -10982,7 +11106,7 @@
 </p:sld>
 </file>
 
-<file path=ppt/slides/slide28.xml><?xml version="1.0" encoding="utf-8"?>
+<file path=ppt/slides/slide29.xml><?xml version="1.0" encoding="utf-8"?>
 <p:sld xmlns:a="http://schemas.openxmlformats.org/drawingml/2006/main" xmlns:r="http://schemas.openxmlformats.org/officeDocument/2006/relationships" xmlns:p="http://schemas.openxmlformats.org/presentationml/2006/main">
   <p:cSld>
     <p:bg>
@@ -11033,7 +11157,7 @@
             <a:fld id="{B5CEABB6-07DC-46E8-9B57-56EC44A396E5}" type="slidenum">
               <a:rPr lang="en-US" smtClean="0"/>
               <a:pPr/>
-              <a:t>28</a:t>
+              <a:t>29</a:t>
             </a:fld>
             <a:endParaRPr lang="en-US" dirty="0"/>
           </a:p>
@@ -11146,187 +11270,6 @@
     <p:extLst>
       <p:ext uri="{BB962C8B-B14F-4D97-AF65-F5344CB8AC3E}">
         <p14:creationId xmlns:p14="http://schemas.microsoft.com/office/powerpoint/2010/main" val="2619228386"/>
-      </p:ext>
-    </p:extLst>
-  </p:cSld>
-  <p:clrMapOvr>
-    <a:masterClrMapping/>
-  </p:clrMapOvr>
-</p:sld>
-</file>
-
-<file path=ppt/slides/slide29.xml><?xml version="1.0" encoding="utf-8"?>
-<p:sld xmlns:a="http://schemas.openxmlformats.org/drawingml/2006/main" xmlns:r="http://schemas.openxmlformats.org/officeDocument/2006/relationships" xmlns:p="http://schemas.openxmlformats.org/presentationml/2006/main">
-  <p:cSld>
-    <p:bg>
-      <p:bgPr>
-        <a:solidFill>
-          <a:schemeClr val="bg1">
-            <a:lumMod val="95000"/>
-          </a:schemeClr>
-        </a:solidFill>
-        <a:effectLst/>
-      </p:bgPr>
-    </p:bg>
-    <p:spTree>
-      <p:nvGrpSpPr>
-        <p:cNvPr id="1" name="">
-          <a:extLst>
-            <a:ext uri="{FF2B5EF4-FFF2-40B4-BE49-F238E27FC236}">
-              <a16:creationId xmlns:a16="http://schemas.microsoft.com/office/drawing/2014/main" id="{1816C8C2-EA0B-274A-827C-05D518550FAE}"/>
-            </a:ext>
-          </a:extLst>
-        </p:cNvPr>
-        <p:cNvGrpSpPr/>
-        <p:nvPr/>
-      </p:nvGrpSpPr>
-      <p:grpSpPr>
-        <a:xfrm>
-          <a:off x="0" y="0"/>
-          <a:ext cx="0" cy="0"/>
-          <a:chOff x="0" y="0"/>
-          <a:chExt cx="0" cy="0"/>
-        </a:xfrm>
-      </p:grpSpPr>
-      <p:sp>
-        <p:nvSpPr>
-          <p:cNvPr id="4" name="Slide Number Placeholder 3">
-            <a:extLst>
-              <a:ext uri="{FF2B5EF4-FFF2-40B4-BE49-F238E27FC236}">
-                <a16:creationId xmlns:a16="http://schemas.microsoft.com/office/drawing/2014/main" id="{E1777EF9-65C6-E5E4-6776-BE3A87D27272}"/>
-              </a:ext>
-            </a:extLst>
-          </p:cNvPr>
-          <p:cNvSpPr>
-            <a:spLocks noGrp="1"/>
-          </p:cNvSpPr>
-          <p:nvPr>
-            <p:ph type="sldNum" sz="quarter" idx="4"/>
-          </p:nvPr>
-        </p:nvSpPr>
-        <p:spPr/>
-        <p:txBody>
-          <a:bodyPr/>
-          <a:lstStyle/>
-          <a:p>
-            <a:fld id="{B5CEABB6-07DC-46E8-9B57-56EC44A396E5}" type="slidenum">
-              <a:rPr lang="en-US" smtClean="0"/>
-              <a:pPr/>
-              <a:t>29</a:t>
-            </a:fld>
-            <a:endParaRPr lang="en-US" dirty="0"/>
-          </a:p>
-        </p:txBody>
-      </p:sp>
-      <p:sp>
-        <p:nvSpPr>
-          <p:cNvPr id="6" name="TextBox 5">
-            <a:extLst>
-              <a:ext uri="{FF2B5EF4-FFF2-40B4-BE49-F238E27FC236}">
-                <a16:creationId xmlns:a16="http://schemas.microsoft.com/office/drawing/2014/main" id="{550D24E4-D86E-6AD6-C371-317413F3D55C}"/>
-              </a:ext>
-            </a:extLst>
-          </p:cNvPr>
-          <p:cNvSpPr txBox="1"/>
-          <p:nvPr/>
-        </p:nvSpPr>
-        <p:spPr>
-          <a:xfrm>
-            <a:off x="818988" y="536448"/>
-            <a:ext cx="7273638" cy="1107996"/>
-          </a:xfrm>
-          <a:prstGeom prst="rect">
-            <a:avLst/>
-          </a:prstGeom>
-          <a:noFill/>
-        </p:spPr>
-        <p:txBody>
-          <a:bodyPr wrap="square" rtlCol="0">
-            <a:spAutoFit/>
-          </a:bodyPr>
-          <a:lstStyle/>
-          <a:p>
-            <a:pPr marL="285750" indent="-285750">
-              <a:buFont typeface="Arial" panose="020B0604020202020204" pitchFamily="34" charset="0"/>
-              <a:buChar char="•"/>
-            </a:pPr>
-            <a:r>
-              <a:rPr lang="en-US" sz="1600" b="1" dirty="0"/>
-              <a:t>Recommendation Display:</a:t>
-            </a:r>
-            <a:r>
-              <a:rPr lang="en-US" sz="1600" dirty="0"/>
-              <a:t> The top 5 most similar songs to the query are displayed and each recommended song includes a clickable YouTube link, allowing users to listen to the song.</a:t>
-            </a:r>
-          </a:p>
-          <a:p>
-            <a:endParaRPr lang="en-KE" dirty="0"/>
-          </a:p>
-        </p:txBody>
-      </p:sp>
-      <p:pic>
-        <p:nvPicPr>
-          <p:cNvPr id="8" name="Content Placeholder 7">
-            <a:extLst>
-              <a:ext uri="{FF2B5EF4-FFF2-40B4-BE49-F238E27FC236}">
-                <a16:creationId xmlns:a16="http://schemas.microsoft.com/office/drawing/2014/main" id="{6C0702A6-BF33-C0EA-293B-7ED585812E1B}"/>
-              </a:ext>
-            </a:extLst>
-          </p:cNvPr>
-          <p:cNvPicPr>
-            <a:picLocks noGrp="1" noChangeAspect="1"/>
-          </p:cNvPicPr>
-          <p:nvPr>
-            <p:ph sz="quarter" idx="10"/>
-          </p:nvPr>
-        </p:nvPicPr>
-        <p:blipFill>
-          <a:blip r:embed="rId2"/>
-          <a:stretch>
-            <a:fillRect/>
-          </a:stretch>
-        </p:blipFill>
-        <p:spPr>
-          <a:xfrm>
-            <a:off x="1089830" y="1867311"/>
-            <a:ext cx="4286842" cy="4156075"/>
-          </a:xfrm>
-        </p:spPr>
-      </p:pic>
-      <p:pic>
-        <p:nvPicPr>
-          <p:cNvPr id="9" name="Picture 8">
-            <a:extLst>
-              <a:ext uri="{FF2B5EF4-FFF2-40B4-BE49-F238E27FC236}">
-                <a16:creationId xmlns:a16="http://schemas.microsoft.com/office/drawing/2014/main" id="{C0D3B01A-B625-E0A0-3EE9-41250A5F4838}"/>
-              </a:ext>
-            </a:extLst>
-          </p:cNvPr>
-          <p:cNvPicPr>
-            <a:picLocks noChangeAspect="1"/>
-          </p:cNvPicPr>
-          <p:nvPr/>
-        </p:nvPicPr>
-        <p:blipFill>
-          <a:blip r:embed="rId3"/>
-          <a:stretch>
-            <a:fillRect/>
-          </a:stretch>
-        </p:blipFill>
-        <p:spPr>
-          <a:xfrm>
-            <a:off x="5960364" y="1867311"/>
-            <a:ext cx="4286842" cy="4156075"/>
-          </a:xfrm>
-          <a:prstGeom prst="rect">
-            <a:avLst/>
-          </a:prstGeom>
-        </p:spPr>
-      </p:pic>
-    </p:spTree>
-    <p:extLst>
-      <p:ext uri="{BB962C8B-B14F-4D97-AF65-F5344CB8AC3E}">
-        <p14:creationId xmlns:p14="http://schemas.microsoft.com/office/powerpoint/2010/main" val="711191231"/>
       </p:ext>
     </p:extLst>
   </p:cSld>
@@ -11453,6 +11396,187 @@
     <p:bg>
       <p:bgPr>
         <a:solidFill>
+          <a:schemeClr val="bg1">
+            <a:lumMod val="95000"/>
+          </a:schemeClr>
+        </a:solidFill>
+        <a:effectLst/>
+      </p:bgPr>
+    </p:bg>
+    <p:spTree>
+      <p:nvGrpSpPr>
+        <p:cNvPr id="1" name="">
+          <a:extLst>
+            <a:ext uri="{FF2B5EF4-FFF2-40B4-BE49-F238E27FC236}">
+              <a16:creationId xmlns:a16="http://schemas.microsoft.com/office/drawing/2014/main" id="{1816C8C2-EA0B-274A-827C-05D518550FAE}"/>
+            </a:ext>
+          </a:extLst>
+        </p:cNvPr>
+        <p:cNvGrpSpPr/>
+        <p:nvPr/>
+      </p:nvGrpSpPr>
+      <p:grpSpPr>
+        <a:xfrm>
+          <a:off x="0" y="0"/>
+          <a:ext cx="0" cy="0"/>
+          <a:chOff x="0" y="0"/>
+          <a:chExt cx="0" cy="0"/>
+        </a:xfrm>
+      </p:grpSpPr>
+      <p:sp>
+        <p:nvSpPr>
+          <p:cNvPr id="4" name="Slide Number Placeholder 3">
+            <a:extLst>
+              <a:ext uri="{FF2B5EF4-FFF2-40B4-BE49-F238E27FC236}">
+                <a16:creationId xmlns:a16="http://schemas.microsoft.com/office/drawing/2014/main" id="{E1777EF9-65C6-E5E4-6776-BE3A87D27272}"/>
+              </a:ext>
+            </a:extLst>
+          </p:cNvPr>
+          <p:cNvSpPr>
+            <a:spLocks noGrp="1"/>
+          </p:cNvSpPr>
+          <p:nvPr>
+            <p:ph type="sldNum" sz="quarter" idx="4"/>
+          </p:nvPr>
+        </p:nvSpPr>
+        <p:spPr/>
+        <p:txBody>
+          <a:bodyPr/>
+          <a:lstStyle/>
+          <a:p>
+            <a:fld id="{B5CEABB6-07DC-46E8-9B57-56EC44A396E5}" type="slidenum">
+              <a:rPr lang="en-US" smtClean="0"/>
+              <a:pPr/>
+              <a:t>30</a:t>
+            </a:fld>
+            <a:endParaRPr lang="en-US" dirty="0"/>
+          </a:p>
+        </p:txBody>
+      </p:sp>
+      <p:sp>
+        <p:nvSpPr>
+          <p:cNvPr id="6" name="TextBox 5">
+            <a:extLst>
+              <a:ext uri="{FF2B5EF4-FFF2-40B4-BE49-F238E27FC236}">
+                <a16:creationId xmlns:a16="http://schemas.microsoft.com/office/drawing/2014/main" id="{550D24E4-D86E-6AD6-C371-317413F3D55C}"/>
+              </a:ext>
+            </a:extLst>
+          </p:cNvPr>
+          <p:cNvSpPr txBox="1"/>
+          <p:nvPr/>
+        </p:nvSpPr>
+        <p:spPr>
+          <a:xfrm>
+            <a:off x="818988" y="536448"/>
+            <a:ext cx="7273638" cy="1107996"/>
+          </a:xfrm>
+          <a:prstGeom prst="rect">
+            <a:avLst/>
+          </a:prstGeom>
+          <a:noFill/>
+        </p:spPr>
+        <p:txBody>
+          <a:bodyPr wrap="square" rtlCol="0">
+            <a:spAutoFit/>
+          </a:bodyPr>
+          <a:lstStyle/>
+          <a:p>
+            <a:pPr marL="285750" indent="-285750">
+              <a:buFont typeface="Arial" panose="020B0604020202020204" pitchFamily="34" charset="0"/>
+              <a:buChar char="•"/>
+            </a:pPr>
+            <a:r>
+              <a:rPr lang="en-US" sz="1600" b="1" dirty="0"/>
+              <a:t>Recommendation Display:</a:t>
+            </a:r>
+            <a:r>
+              <a:rPr lang="en-US" sz="1600" dirty="0"/>
+              <a:t> The top 5 most similar songs to the query are displayed and each recommended song includes a clickable YouTube link, allowing users to listen to the song.</a:t>
+            </a:r>
+          </a:p>
+          <a:p>
+            <a:endParaRPr lang="en-KE" dirty="0"/>
+          </a:p>
+        </p:txBody>
+      </p:sp>
+      <p:pic>
+        <p:nvPicPr>
+          <p:cNvPr id="8" name="Content Placeholder 7">
+            <a:extLst>
+              <a:ext uri="{FF2B5EF4-FFF2-40B4-BE49-F238E27FC236}">
+                <a16:creationId xmlns:a16="http://schemas.microsoft.com/office/drawing/2014/main" id="{6C0702A6-BF33-C0EA-293B-7ED585812E1B}"/>
+              </a:ext>
+            </a:extLst>
+          </p:cNvPr>
+          <p:cNvPicPr>
+            <a:picLocks noGrp="1" noChangeAspect="1"/>
+          </p:cNvPicPr>
+          <p:nvPr>
+            <p:ph sz="quarter" idx="10"/>
+          </p:nvPr>
+        </p:nvPicPr>
+        <p:blipFill>
+          <a:blip r:embed="rId2"/>
+          <a:stretch>
+            <a:fillRect/>
+          </a:stretch>
+        </p:blipFill>
+        <p:spPr>
+          <a:xfrm>
+            <a:off x="1089830" y="1867311"/>
+            <a:ext cx="4286842" cy="4156075"/>
+          </a:xfrm>
+        </p:spPr>
+      </p:pic>
+      <p:pic>
+        <p:nvPicPr>
+          <p:cNvPr id="9" name="Picture 8">
+            <a:extLst>
+              <a:ext uri="{FF2B5EF4-FFF2-40B4-BE49-F238E27FC236}">
+                <a16:creationId xmlns:a16="http://schemas.microsoft.com/office/drawing/2014/main" id="{C0D3B01A-B625-E0A0-3EE9-41250A5F4838}"/>
+              </a:ext>
+            </a:extLst>
+          </p:cNvPr>
+          <p:cNvPicPr>
+            <a:picLocks noChangeAspect="1"/>
+          </p:cNvPicPr>
+          <p:nvPr/>
+        </p:nvPicPr>
+        <p:blipFill>
+          <a:blip r:embed="rId3"/>
+          <a:stretch>
+            <a:fillRect/>
+          </a:stretch>
+        </p:blipFill>
+        <p:spPr>
+          <a:xfrm>
+            <a:off x="5960364" y="1867311"/>
+            <a:ext cx="4286842" cy="4156075"/>
+          </a:xfrm>
+          <a:prstGeom prst="rect">
+            <a:avLst/>
+          </a:prstGeom>
+        </p:spPr>
+      </p:pic>
+    </p:spTree>
+    <p:extLst>
+      <p:ext uri="{BB962C8B-B14F-4D97-AF65-F5344CB8AC3E}">
+        <p14:creationId xmlns:p14="http://schemas.microsoft.com/office/powerpoint/2010/main" val="711191231"/>
+      </p:ext>
+    </p:extLst>
+  </p:cSld>
+  <p:clrMapOvr>
+    <a:masterClrMapping/>
+  </p:clrMapOvr>
+</p:sld>
+</file>
+
+<file path=ppt/slides/slide31.xml><?xml version="1.0" encoding="utf-8"?>
+<p:sld xmlns:a="http://schemas.openxmlformats.org/drawingml/2006/main" xmlns:r="http://schemas.openxmlformats.org/officeDocument/2006/relationships" xmlns:p="http://schemas.openxmlformats.org/presentationml/2006/main">
+  <p:cSld>
+    <p:bg>
+      <p:bgPr>
+        <a:solidFill>
           <a:schemeClr val="accent1">
             <a:lumMod val="90000"/>
           </a:schemeClr>
@@ -11559,7 +11683,7 @@
 </p:sld>
 </file>
 
-<file path=ppt/slides/slide31.xml><?xml version="1.0" encoding="utf-8"?>
+<file path=ppt/slides/slide32.xml><?xml version="1.0" encoding="utf-8"?>
 <p:sld xmlns:a="http://schemas.openxmlformats.org/drawingml/2006/main" xmlns:r="http://schemas.openxmlformats.org/officeDocument/2006/relationships" xmlns:p="http://schemas.openxmlformats.org/presentationml/2006/main">
   <p:cSld>
     <p:bg>
@@ -11724,7 +11848,7 @@
             <a:fld id="{B5CEABB6-07DC-46E8-9B57-56EC44A396E5}" type="slidenum">
               <a:rPr lang="en-US" smtClean="0"/>
               <a:pPr/>
-              <a:t>31</a:t>
+              <a:t>32</a:t>
             </a:fld>
             <a:endParaRPr lang="en-US" dirty="0"/>
           </a:p>
@@ -11743,7 +11867,7 @@
 </p:sld>
 </file>
 
-<file path=ppt/slides/slide32.xml><?xml version="1.0" encoding="utf-8"?>
+<file path=ppt/slides/slide33.xml><?xml version="1.0" encoding="utf-8"?>
 <p:sld xmlns:a="http://schemas.openxmlformats.org/drawingml/2006/main" xmlns:r="http://schemas.openxmlformats.org/officeDocument/2006/relationships" xmlns:p="http://schemas.openxmlformats.org/presentationml/2006/main">
   <p:cSld>
     <p:bg>
@@ -12321,7 +12445,7 @@
         <p:cNvPr id="1" name="">
           <a:extLst>
             <a:ext uri="{FF2B5EF4-FFF2-40B4-BE49-F238E27FC236}">
-              <a16:creationId xmlns:a16="http://schemas.microsoft.com/office/drawing/2014/main" id="{A6409189-94F0-4143-E3A6-43F45EB32073}"/>
+              <a16:creationId xmlns:a16="http://schemas.microsoft.com/office/drawing/2014/main" id="{A8F95A0E-39CC-D7D9-EE85-33CE365D6339}"/>
             </a:ext>
           </a:extLst>
         </p:cNvPr>
@@ -12341,7 +12465,7 @@
           <p:cNvPr id="2" name="Title 1">
             <a:extLst>
               <a:ext uri="{FF2B5EF4-FFF2-40B4-BE49-F238E27FC236}">
-                <a16:creationId xmlns:a16="http://schemas.microsoft.com/office/drawing/2014/main" id="{681F7BF4-D59C-7FB1-A25D-3D2703814BA3}"/>
+                <a16:creationId xmlns:a16="http://schemas.microsoft.com/office/drawing/2014/main" id="{9E281C23-6698-1E33-9457-8C50B7074D78}"/>
               </a:ext>
             </a:extLst>
           </p:cNvPr>
@@ -12380,103 +12504,10 @@
       </p:sp>
       <p:sp>
         <p:nvSpPr>
-          <p:cNvPr id="3" name="Content Placeholder 2">
-            <a:extLst>
-              <a:ext uri="{FF2B5EF4-FFF2-40B4-BE49-F238E27FC236}">
-                <a16:creationId xmlns:a16="http://schemas.microsoft.com/office/drawing/2014/main" id="{F0584265-5B14-5C1D-4F30-DABBE2F0E736}"/>
-              </a:ext>
-            </a:extLst>
-          </p:cNvPr>
-          <p:cNvSpPr>
-            <a:spLocks noGrp="1"/>
-          </p:cNvSpPr>
-          <p:nvPr>
-            <p:ph sz="quarter" idx="10"/>
-          </p:nvPr>
-        </p:nvSpPr>
-        <p:spPr>
-          <a:xfrm>
-            <a:off x="586739" y="1501966"/>
-            <a:ext cx="7691629" cy="4155757"/>
-          </a:xfrm>
-        </p:spPr>
-        <p:txBody>
-          <a:bodyPr>
-            <a:normAutofit fontScale="92500" lnSpcReduction="10000"/>
-          </a:bodyPr>
-          <a:lstStyle/>
-          <a:p>
-            <a:pPr marL="342900" indent="-342900">
-              <a:buFontTx/>
-              <a:buChar char="-"/>
-            </a:pPr>
-            <a:r>
-              <a:rPr lang="en-US" sz="1700" dirty="0"/>
-              <a:t>Unlike music streaming platforms where recommendations are based solely on basic metadata like genre and artist name, my recommendation system makes suggestions based on both textual and numeric features. </a:t>
-            </a:r>
-          </a:p>
-          <a:p>
-            <a:pPr marL="342900" indent="-342900">
-              <a:buFontTx/>
-              <a:buChar char="-"/>
-            </a:pPr>
-            <a:r>
-              <a:rPr lang="en-US" sz="1700" dirty="0"/>
-              <a:t>When a user enters a song title or artist name, the system uses FastText embeddings to convert text into numerical representations. This allows the model to capture meaningful relationships between words even across different languages.</a:t>
-            </a:r>
-          </a:p>
-          <a:p>
-            <a:pPr marL="342900" indent="-342900">
-              <a:buFontTx/>
-              <a:buChar char="-"/>
-            </a:pPr>
-            <a:r>
-              <a:rPr lang="en-US" sz="1700" dirty="0"/>
-              <a:t>The numeric attributes are then normalized to ensure consistent scaling across all values and combined with text embeddings to form a comprehensive feature set for each song.</a:t>
-            </a:r>
-          </a:p>
-          <a:p>
-            <a:pPr marL="342900" indent="-342900">
-              <a:buFontTx/>
-              <a:buChar char="-"/>
-            </a:pPr>
-            <a:r>
-              <a:rPr lang="en-US" sz="1700" dirty="0"/>
-              <a:t>A deep learning model is then trained to learn patterns in the features and cosine similarity is applied to make relevant song matches based on the song characteristics. The recommended songs are displayed along with clickable YouTube links for easy listening. </a:t>
-            </a:r>
-          </a:p>
-          <a:p>
-            <a:pPr marL="342900" indent="-342900">
-              <a:buFontTx/>
-              <a:buChar char="-"/>
-            </a:pPr>
-            <a:r>
-              <a:rPr lang="en-US" sz="1700" dirty="0"/>
-              <a:t>Overall, this system integrates deep learning, NLP, and similarity algorithms to provide music recommendations.</a:t>
-            </a:r>
-          </a:p>
-          <a:p>
-            <a:pPr marL="0" indent="0">
-              <a:spcBef>
-                <a:spcPts val="0"/>
-              </a:spcBef>
-              <a:spcAft>
-                <a:spcPts val="1200"/>
-              </a:spcAft>
-              <a:buNone/>
-            </a:pPr>
-            <a:endParaRPr lang="en-US" sz="2000" cap="none" dirty="0">
-              <a:cs typeface="Calibri"/>
-            </a:endParaRPr>
-          </a:p>
-        </p:txBody>
-      </p:sp>
-      <p:sp>
-        <p:nvSpPr>
           <p:cNvPr id="4" name="Slide Number Placeholder 3">
             <a:extLst>
               <a:ext uri="{FF2B5EF4-FFF2-40B4-BE49-F238E27FC236}">
-                <a16:creationId xmlns:a16="http://schemas.microsoft.com/office/drawing/2014/main" id="{4D699CCC-FE32-A1C0-BEF3-E8CFFE61B15E}"/>
+                <a16:creationId xmlns:a16="http://schemas.microsoft.com/office/drawing/2014/main" id="{DFC1F665-EFCE-06ED-A188-5C5BD2BD03C7}"/>
               </a:ext>
             </a:extLst>
           </p:cNvPr>
@@ -12501,10 +12532,455 @@
           </a:p>
         </p:txBody>
       </p:sp>
+      <p:sp>
+        <p:nvSpPr>
+          <p:cNvPr id="7" name="Callout: Right Arrow 6">
+            <a:extLst>
+              <a:ext uri="{FF2B5EF4-FFF2-40B4-BE49-F238E27FC236}">
+                <a16:creationId xmlns:a16="http://schemas.microsoft.com/office/drawing/2014/main" id="{29318C99-3B2C-9844-5023-925F8E7A60A1}"/>
+              </a:ext>
+            </a:extLst>
+          </p:cNvPr>
+          <p:cNvSpPr/>
+          <p:nvPr/>
+        </p:nvSpPr>
+        <p:spPr>
+          <a:xfrm>
+            <a:off x="597408" y="1438518"/>
+            <a:ext cx="3027617" cy="1068844"/>
+          </a:xfrm>
+          <a:prstGeom prst="rightArrowCallout">
+            <a:avLst/>
+          </a:prstGeom>
+        </p:spPr>
+        <p:style>
+          <a:lnRef idx="2">
+            <a:schemeClr val="accent1">
+              <a:shade val="15000"/>
+            </a:schemeClr>
+          </a:lnRef>
+          <a:fillRef idx="1">
+            <a:schemeClr val="accent1"/>
+          </a:fillRef>
+          <a:effectRef idx="0">
+            <a:schemeClr val="accent1"/>
+          </a:effectRef>
+          <a:fontRef idx="minor">
+            <a:schemeClr val="lt1"/>
+          </a:fontRef>
+        </p:style>
+        <p:txBody>
+          <a:bodyPr rtlCol="0" anchor="ctr"/>
+          <a:lstStyle/>
+          <a:p>
+            <a:pPr algn="ctr"/>
+            <a:r>
+              <a:rPr lang="en-US" sz="1600" dirty="0">
+                <a:solidFill>
+                  <a:schemeClr val="tx1"/>
+                </a:solidFill>
+              </a:rPr>
+              <a:t>User enters song title or artist name</a:t>
+            </a:r>
+            <a:endParaRPr lang="en-KE" sz="1600" dirty="0">
+              <a:solidFill>
+                <a:schemeClr val="tx1"/>
+              </a:solidFill>
+            </a:endParaRPr>
+          </a:p>
+        </p:txBody>
+      </p:sp>
+      <p:sp>
+        <p:nvSpPr>
+          <p:cNvPr id="8" name="Callout: Right Arrow 7">
+            <a:extLst>
+              <a:ext uri="{FF2B5EF4-FFF2-40B4-BE49-F238E27FC236}">
+                <a16:creationId xmlns:a16="http://schemas.microsoft.com/office/drawing/2014/main" id="{C4A4EE5C-F839-6C33-BF29-7C96EA190287}"/>
+              </a:ext>
+            </a:extLst>
+          </p:cNvPr>
+          <p:cNvSpPr/>
+          <p:nvPr/>
+        </p:nvSpPr>
+        <p:spPr>
+          <a:xfrm>
+            <a:off x="3625025" y="1438518"/>
+            <a:ext cx="3027617" cy="1071719"/>
+          </a:xfrm>
+          <a:prstGeom prst="rightArrowCallout">
+            <a:avLst/>
+          </a:prstGeom>
+        </p:spPr>
+        <p:style>
+          <a:lnRef idx="2">
+            <a:schemeClr val="accent1">
+              <a:shade val="15000"/>
+            </a:schemeClr>
+          </a:lnRef>
+          <a:fillRef idx="1">
+            <a:schemeClr val="accent1"/>
+          </a:fillRef>
+          <a:effectRef idx="0">
+            <a:schemeClr val="accent1"/>
+          </a:effectRef>
+          <a:fontRef idx="minor">
+            <a:schemeClr val="lt1"/>
+          </a:fontRef>
+        </p:style>
+        <p:txBody>
+          <a:bodyPr rtlCol="0" anchor="ctr"/>
+          <a:lstStyle/>
+          <a:p>
+            <a:pPr algn="ctr"/>
+            <a:r>
+              <a:rPr lang="en-US" sz="1600" dirty="0">
+                <a:solidFill>
+                  <a:schemeClr val="tx1"/>
+                </a:solidFill>
+              </a:rPr>
+              <a:t>Fastext embeddings are used to convert text into numeric representations</a:t>
+            </a:r>
+            <a:endParaRPr lang="en-KE" sz="1600" dirty="0">
+              <a:solidFill>
+                <a:schemeClr val="tx1"/>
+              </a:solidFill>
+            </a:endParaRPr>
+          </a:p>
+        </p:txBody>
+      </p:sp>
+      <p:sp>
+        <p:nvSpPr>
+          <p:cNvPr id="9" name="Callout: Down Arrow 8">
+            <a:extLst>
+              <a:ext uri="{FF2B5EF4-FFF2-40B4-BE49-F238E27FC236}">
+                <a16:creationId xmlns:a16="http://schemas.microsoft.com/office/drawing/2014/main" id="{C95B45B5-9352-EA99-005F-5F0602A4642E}"/>
+              </a:ext>
+            </a:extLst>
+          </p:cNvPr>
+          <p:cNvSpPr/>
+          <p:nvPr/>
+        </p:nvSpPr>
+        <p:spPr>
+          <a:xfrm>
+            <a:off x="9680258" y="1438518"/>
+            <a:ext cx="1954910" cy="1654060"/>
+          </a:xfrm>
+          <a:prstGeom prst="downArrowCallout">
+            <a:avLst/>
+          </a:prstGeom>
+        </p:spPr>
+        <p:style>
+          <a:lnRef idx="2">
+            <a:schemeClr val="accent1">
+              <a:shade val="15000"/>
+            </a:schemeClr>
+          </a:lnRef>
+          <a:fillRef idx="1">
+            <a:schemeClr val="accent1"/>
+          </a:fillRef>
+          <a:effectRef idx="0">
+            <a:schemeClr val="accent1"/>
+          </a:effectRef>
+          <a:fontRef idx="minor">
+            <a:schemeClr val="lt1"/>
+          </a:fontRef>
+        </p:style>
+        <p:txBody>
+          <a:bodyPr rtlCol="0" anchor="ctr"/>
+          <a:lstStyle/>
+          <a:p>
+            <a:pPr algn="ctr"/>
+            <a:r>
+              <a:rPr lang="en-US" sz="1400" dirty="0">
+                <a:solidFill>
+                  <a:schemeClr val="tx1"/>
+                </a:solidFill>
+              </a:rPr>
+              <a:t>Text embeddings and numeric features are combined to form a comprehensive feature set</a:t>
+            </a:r>
+            <a:endParaRPr lang="en-KE" sz="1400" dirty="0">
+              <a:solidFill>
+                <a:schemeClr val="tx1"/>
+              </a:solidFill>
+            </a:endParaRPr>
+          </a:p>
+        </p:txBody>
+      </p:sp>
+      <p:sp>
+        <p:nvSpPr>
+          <p:cNvPr id="10" name="Callout: Right Arrow 9">
+            <a:extLst>
+              <a:ext uri="{FF2B5EF4-FFF2-40B4-BE49-F238E27FC236}">
+                <a16:creationId xmlns:a16="http://schemas.microsoft.com/office/drawing/2014/main" id="{A150F72C-049B-9EDF-98B4-538B2AFEB130}"/>
+              </a:ext>
+            </a:extLst>
+          </p:cNvPr>
+          <p:cNvSpPr/>
+          <p:nvPr/>
+        </p:nvSpPr>
+        <p:spPr>
+          <a:xfrm>
+            <a:off x="6652641" y="1438518"/>
+            <a:ext cx="3027617" cy="1068844"/>
+          </a:xfrm>
+          <a:prstGeom prst="rightArrowCallout">
+            <a:avLst/>
+          </a:prstGeom>
+        </p:spPr>
+        <p:style>
+          <a:lnRef idx="2">
+            <a:schemeClr val="accent1">
+              <a:shade val="15000"/>
+            </a:schemeClr>
+          </a:lnRef>
+          <a:fillRef idx="1">
+            <a:schemeClr val="accent1"/>
+          </a:fillRef>
+          <a:effectRef idx="0">
+            <a:schemeClr val="accent1"/>
+          </a:effectRef>
+          <a:fontRef idx="minor">
+            <a:schemeClr val="lt1"/>
+          </a:fontRef>
+        </p:style>
+        <p:txBody>
+          <a:bodyPr rtlCol="0" anchor="ctr"/>
+          <a:lstStyle/>
+          <a:p>
+            <a:pPr algn="ctr"/>
+            <a:r>
+              <a:rPr lang="en-US" sz="1600" dirty="0">
+                <a:solidFill>
+                  <a:schemeClr val="tx1"/>
+                </a:solidFill>
+              </a:rPr>
+              <a:t>Numeric features are normalized for consistent scaling</a:t>
+            </a:r>
+            <a:endParaRPr lang="en-KE" sz="1600" dirty="0">
+              <a:solidFill>
+                <a:schemeClr val="tx1"/>
+              </a:solidFill>
+            </a:endParaRPr>
+          </a:p>
+        </p:txBody>
+      </p:sp>
+      <p:sp>
+        <p:nvSpPr>
+          <p:cNvPr id="11" name="Callout: Left Arrow 10">
+            <a:extLst>
+              <a:ext uri="{FF2B5EF4-FFF2-40B4-BE49-F238E27FC236}">
+                <a16:creationId xmlns:a16="http://schemas.microsoft.com/office/drawing/2014/main" id="{E6537FDF-18E9-92C9-B7A6-54B716DDB149}"/>
+              </a:ext>
+            </a:extLst>
+          </p:cNvPr>
+          <p:cNvSpPr/>
+          <p:nvPr/>
+        </p:nvSpPr>
+        <p:spPr>
+          <a:xfrm>
+            <a:off x="8635910" y="3123804"/>
+            <a:ext cx="3027617" cy="1255776"/>
+          </a:xfrm>
+          <a:prstGeom prst="leftArrowCallout">
+            <a:avLst/>
+          </a:prstGeom>
+        </p:spPr>
+        <p:style>
+          <a:lnRef idx="2">
+            <a:schemeClr val="accent1">
+              <a:shade val="15000"/>
+            </a:schemeClr>
+          </a:lnRef>
+          <a:fillRef idx="1">
+            <a:schemeClr val="accent1"/>
+          </a:fillRef>
+          <a:effectRef idx="0">
+            <a:schemeClr val="accent1"/>
+          </a:effectRef>
+          <a:fontRef idx="minor">
+            <a:schemeClr val="lt1"/>
+          </a:fontRef>
+        </p:style>
+        <p:txBody>
+          <a:bodyPr rtlCol="0" anchor="ctr"/>
+          <a:lstStyle/>
+          <a:p>
+            <a:pPr algn="ctr"/>
+            <a:r>
+              <a:rPr lang="en-US" sz="1600" dirty="0">
+                <a:solidFill>
+                  <a:schemeClr val="tx1"/>
+                </a:solidFill>
+              </a:rPr>
+              <a:t>Deep learning model is trained to learn patterns in the features</a:t>
+            </a:r>
+            <a:endParaRPr lang="en-KE" sz="1600" dirty="0">
+              <a:solidFill>
+                <a:schemeClr val="tx1"/>
+              </a:solidFill>
+            </a:endParaRPr>
+          </a:p>
+        </p:txBody>
+      </p:sp>
+      <p:sp>
+        <p:nvSpPr>
+          <p:cNvPr id="12" name="Callout: Left Arrow 11">
+            <a:extLst>
+              <a:ext uri="{FF2B5EF4-FFF2-40B4-BE49-F238E27FC236}">
+                <a16:creationId xmlns:a16="http://schemas.microsoft.com/office/drawing/2014/main" id="{DD8145D6-A241-6EBE-B761-59AC5D03174C}"/>
+              </a:ext>
+            </a:extLst>
+          </p:cNvPr>
+          <p:cNvSpPr/>
+          <p:nvPr/>
+        </p:nvSpPr>
+        <p:spPr>
+          <a:xfrm>
+            <a:off x="5606388" y="3123804"/>
+            <a:ext cx="3027617" cy="1248854"/>
+          </a:xfrm>
+          <a:prstGeom prst="leftArrowCallout">
+            <a:avLst/>
+          </a:prstGeom>
+        </p:spPr>
+        <p:style>
+          <a:lnRef idx="2">
+            <a:schemeClr val="accent1">
+              <a:shade val="15000"/>
+            </a:schemeClr>
+          </a:lnRef>
+          <a:fillRef idx="1">
+            <a:schemeClr val="accent1"/>
+          </a:fillRef>
+          <a:effectRef idx="0">
+            <a:schemeClr val="accent1"/>
+          </a:effectRef>
+          <a:fontRef idx="minor">
+            <a:schemeClr val="lt1"/>
+          </a:fontRef>
+        </p:style>
+        <p:txBody>
+          <a:bodyPr rtlCol="0" anchor="ctr"/>
+          <a:lstStyle/>
+          <a:p>
+            <a:pPr algn="ctr"/>
+            <a:r>
+              <a:rPr lang="en-US" sz="1600" dirty="0">
+                <a:solidFill>
+                  <a:schemeClr val="tx1"/>
+                </a:solidFill>
+              </a:rPr>
+              <a:t>Cosine similarity is applied to make relevant song matches </a:t>
+            </a:r>
+          </a:p>
+        </p:txBody>
+      </p:sp>
+      <p:sp>
+        <p:nvSpPr>
+          <p:cNvPr id="13" name="Rectangle 12">
+            <a:extLst>
+              <a:ext uri="{FF2B5EF4-FFF2-40B4-BE49-F238E27FC236}">
+                <a16:creationId xmlns:a16="http://schemas.microsoft.com/office/drawing/2014/main" id="{9A873682-BB22-36D2-42EC-EB6CDFEB8581}"/>
+              </a:ext>
+            </a:extLst>
+          </p:cNvPr>
+          <p:cNvSpPr/>
+          <p:nvPr/>
+        </p:nvSpPr>
+        <p:spPr>
+          <a:xfrm>
+            <a:off x="3257738" y="3092578"/>
+            <a:ext cx="2329531" cy="1255776"/>
+          </a:xfrm>
+          <a:prstGeom prst="rect">
+            <a:avLst/>
+          </a:prstGeom>
+        </p:spPr>
+        <p:style>
+          <a:lnRef idx="2">
+            <a:schemeClr val="accent1">
+              <a:shade val="15000"/>
+            </a:schemeClr>
+          </a:lnRef>
+          <a:fillRef idx="1">
+            <a:schemeClr val="accent1"/>
+          </a:fillRef>
+          <a:effectRef idx="0">
+            <a:schemeClr val="accent1"/>
+          </a:effectRef>
+          <a:fontRef idx="minor">
+            <a:schemeClr val="lt1"/>
+          </a:fontRef>
+        </p:style>
+        <p:txBody>
+          <a:bodyPr rtlCol="0" anchor="ctr"/>
+          <a:lstStyle/>
+          <a:p>
+            <a:pPr algn="ctr"/>
+            <a:r>
+              <a:rPr lang="en-US" sz="1600" dirty="0">
+                <a:solidFill>
+                  <a:schemeClr val="tx1"/>
+                </a:solidFill>
+              </a:rPr>
+              <a:t>The recommended songs are displayed along with clickable YouTube links for easy listening</a:t>
+            </a:r>
+            <a:endParaRPr lang="en-KE" sz="1600" dirty="0">
+              <a:solidFill>
+                <a:schemeClr val="tx1"/>
+              </a:solidFill>
+            </a:endParaRPr>
+          </a:p>
+        </p:txBody>
+      </p:sp>
+      <p:sp>
+        <p:nvSpPr>
+          <p:cNvPr id="14" name="TextBox 13">
+            <a:extLst>
+              <a:ext uri="{FF2B5EF4-FFF2-40B4-BE49-F238E27FC236}">
+                <a16:creationId xmlns:a16="http://schemas.microsoft.com/office/drawing/2014/main" id="{5632969D-00ED-A035-356C-1B2B70280227}"/>
+              </a:ext>
+            </a:extLst>
+          </p:cNvPr>
+          <p:cNvSpPr txBox="1"/>
+          <p:nvPr/>
+        </p:nvSpPr>
+        <p:spPr>
+          <a:xfrm>
+            <a:off x="471486" y="4657344"/>
+            <a:ext cx="9208772" cy="1600438"/>
+          </a:xfrm>
+          <a:prstGeom prst="rect">
+            <a:avLst/>
+          </a:prstGeom>
+          <a:noFill/>
+        </p:spPr>
+        <p:txBody>
+          <a:bodyPr wrap="square" rtlCol="0">
+            <a:spAutoFit/>
+          </a:bodyPr>
+          <a:lstStyle/>
+          <a:p>
+            <a:r>
+              <a:rPr lang="en-US" sz="1600" dirty="0"/>
+              <a:t>- Unlike music streaming platforms where recommendations are based solely on basic metadata like genre and artist name, my recommendation system makes suggestions based on both textual and numeric features. </a:t>
+            </a:r>
+          </a:p>
+          <a:p>
+            <a:r>
+              <a:rPr lang="en-US" sz="1600" dirty="0"/>
+              <a:t>- Overall, this system integrates deep learning, NLP, and similarity algorithms to provide music recommendations.</a:t>
+            </a:r>
+          </a:p>
+          <a:p>
+            <a:endParaRPr lang="en-KE" dirty="0"/>
+          </a:p>
+        </p:txBody>
+      </p:sp>
     </p:spTree>
     <p:extLst>
       <p:ext uri="{BB962C8B-B14F-4D97-AF65-F5344CB8AC3E}">
-        <p14:creationId xmlns:p14="http://schemas.microsoft.com/office/powerpoint/2010/main" val="3536130588"/>
+        <p14:creationId xmlns:p14="http://schemas.microsoft.com/office/powerpoint/2010/main" val="620677245"/>
       </p:ext>
     </p:extLst>
   </p:cSld>
@@ -14448,6 +14924,26 @@
 </file>
 
 <file path=customXml/item1.xml><?xml version="1.0" encoding="utf-8"?>
+<p:properties xmlns:p="http://schemas.microsoft.com/office/2006/metadata/properties" xmlns:xsi="http://www.w3.org/2001/XMLSchema-instance" xmlns:pc="http://schemas.microsoft.com/office/infopath/2007/PartnerControls">
+  <documentManagement>
+    <_ip_UnifiedCompliancePolicyUIAction xmlns="http://schemas.microsoft.com/sharepoint/v3" xsi:nil="true"/>
+    <Image xmlns="71af3243-3dd4-4a8d-8c0d-dd76da1f02a5">
+      <Url xsi:nil="true"/>
+      <Description xsi:nil="true"/>
+    </Image>
+    <Status xmlns="71af3243-3dd4-4a8d-8c0d-dd76da1f02a5">Not started</Status>
+    <Background xmlns="71af3243-3dd4-4a8d-8c0d-dd76da1f02a5">false</Background>
+    <_ip_UnifiedCompliancePolicyProperties xmlns="http://schemas.microsoft.com/sharepoint/v3" xsi:nil="true"/>
+    <ImageTagsTaxHTField xmlns="71af3243-3dd4-4a8d-8c0d-dd76da1f02a5">
+      <Terms xmlns="http://schemas.microsoft.com/office/infopath/2007/PartnerControls"/>
+    </ImageTagsTaxHTField>
+    <TaxCatchAll xmlns="230e9df3-be65-4c73-a93b-d1236ebd677e" xsi:nil="true"/>
+    <MediaServiceKeyPoints xmlns="71af3243-3dd4-4a8d-8c0d-dd76da1f02a5" xsi:nil="true"/>
+  </documentManagement>
+</p:properties>
+</file>
+
+<file path=customXml/item2.xml><?xml version="1.0" encoding="utf-8"?>
 <ct:contentTypeSchema xmlns:ct="http://schemas.microsoft.com/office/2006/metadata/contentType" xmlns:ma="http://schemas.microsoft.com/office/2006/metadata/properties/metaAttributes" ct:_="" ma:_="" ma:contentTypeName="Document" ma:contentTypeID="0x01010079F111ED35F8CC479449609E8A0923A6" ma:contentTypeVersion="28" ma:contentTypeDescription="Create a new document." ma:contentTypeScope="" ma:versionID="60f5a4f2d2b0abadcf532d48ebf9cb71">
   <xsd:schema xmlns:xsd="http://www.w3.org/2001/XMLSchema" xmlns:xs="http://www.w3.org/2001/XMLSchema" xmlns:p="http://schemas.microsoft.com/office/2006/metadata/properties" xmlns:ns1="http://schemas.microsoft.com/sharepoint/v3" xmlns:ns2="71af3243-3dd4-4a8d-8c0d-dd76da1f02a5" xmlns:ns3="16c05727-aa75-4e4a-9b5f-8a80a1165891" xmlns:ns4="230e9df3-be65-4c73-a93b-d1236ebd677e" targetNamespace="http://schemas.microsoft.com/office/2006/metadata/properties" ma:root="true" ma:fieldsID="7dd78129e6a1811f84807ad11c651531" ns1:_="" ns2:_="" ns3:_="" ns4:_="">
     <xsd:import namespace="http://schemas.microsoft.com/sharepoint/v3"/>
@@ -14759,26 +15255,6 @@
 </ct:contentTypeSchema>
 </file>
 
-<file path=customXml/item2.xml><?xml version="1.0" encoding="utf-8"?>
-<p:properties xmlns:p="http://schemas.microsoft.com/office/2006/metadata/properties" xmlns:xsi="http://www.w3.org/2001/XMLSchema-instance" xmlns:pc="http://schemas.microsoft.com/office/infopath/2007/PartnerControls">
-  <documentManagement>
-    <_ip_UnifiedCompliancePolicyUIAction xmlns="http://schemas.microsoft.com/sharepoint/v3" xsi:nil="true"/>
-    <Image xmlns="71af3243-3dd4-4a8d-8c0d-dd76da1f02a5">
-      <Url xsi:nil="true"/>
-      <Description xsi:nil="true"/>
-    </Image>
-    <Status xmlns="71af3243-3dd4-4a8d-8c0d-dd76da1f02a5">Not started</Status>
-    <Background xmlns="71af3243-3dd4-4a8d-8c0d-dd76da1f02a5">false</Background>
-    <_ip_UnifiedCompliancePolicyProperties xmlns="http://schemas.microsoft.com/sharepoint/v3" xsi:nil="true"/>
-    <ImageTagsTaxHTField xmlns="71af3243-3dd4-4a8d-8c0d-dd76da1f02a5">
-      <Terms xmlns="http://schemas.microsoft.com/office/infopath/2007/PartnerControls"/>
-    </ImageTagsTaxHTField>
-    <TaxCatchAll xmlns="230e9df3-be65-4c73-a93b-d1236ebd677e" xsi:nil="true"/>
-    <MediaServiceKeyPoints xmlns="71af3243-3dd4-4a8d-8c0d-dd76da1f02a5" xsi:nil="true"/>
-  </documentManagement>
-</p:properties>
-</file>
-
 <file path=customXml/item3.xml><?xml version="1.0" encoding="utf-8"?>
 <?mso-contentType ?>
 <FormTemplates xmlns="http://schemas.microsoft.com/sharepoint/v3/contenttype/forms">
@@ -14789,6 +15265,18 @@
 </file>
 
 <file path=customXml/itemProps1.xml><?xml version="1.0" encoding="utf-8"?>
+<ds:datastoreItem xmlns:ds="http://schemas.openxmlformats.org/officeDocument/2006/customXml" ds:itemID="{AB045227-5724-4DBF-9712-031B1BFB2C3C}">
+  <ds:schemaRefs>
+    <ds:schemaRef ds:uri="http://schemas.microsoft.com/office/2006/metadata/properties"/>
+    <ds:schemaRef ds:uri="http://schemas.microsoft.com/office/infopath/2007/PartnerControls"/>
+    <ds:schemaRef ds:uri="http://schemas.microsoft.com/sharepoint/v3"/>
+    <ds:schemaRef ds:uri="71af3243-3dd4-4a8d-8c0d-dd76da1f02a5"/>
+    <ds:schemaRef ds:uri="230e9df3-be65-4c73-a93b-d1236ebd677e"/>
+  </ds:schemaRefs>
+</ds:datastoreItem>
+</file>
+
+<file path=customXml/itemProps2.xml><?xml version="1.0" encoding="utf-8"?>
 <ds:datastoreItem xmlns:ds="http://schemas.openxmlformats.org/officeDocument/2006/customXml" ds:itemID="{622457D9-12AC-4794-A05E-F1B90FCD8DA7}">
   <ds:schemaRefs>
     <ds:schemaRef ds:uri="http://schemas.microsoft.com/office/2006/metadata/contentType"/>
@@ -14809,18 +15297,6 @@
 </ds:datastoreItem>
 </file>
 
-<file path=customXml/itemProps2.xml><?xml version="1.0" encoding="utf-8"?>
-<ds:datastoreItem xmlns:ds="http://schemas.openxmlformats.org/officeDocument/2006/customXml" ds:itemID="{AB045227-5724-4DBF-9712-031B1BFB2C3C}">
-  <ds:schemaRefs>
-    <ds:schemaRef ds:uri="http://schemas.microsoft.com/office/2006/metadata/properties"/>
-    <ds:schemaRef ds:uri="http://schemas.microsoft.com/office/infopath/2007/PartnerControls"/>
-    <ds:schemaRef ds:uri="http://schemas.microsoft.com/sharepoint/v3"/>
-    <ds:schemaRef ds:uri="71af3243-3dd4-4a8d-8c0d-dd76da1f02a5"/>
-    <ds:schemaRef ds:uri="230e9df3-be65-4c73-a93b-d1236ebd677e"/>
-  </ds:schemaRefs>
-</ds:datastoreItem>
-</file>
-
 <file path=customXml/itemProps3.xml><?xml version="1.0" encoding="utf-8"?>
 <ds:datastoreItem xmlns:ds="http://schemas.openxmlformats.org/officeDocument/2006/customXml" ds:itemID="{B7B39BD0-040C-43BE-B0E4-512B09E8003F}">
   <ds:schemaRefs>
